--- a/Presentation/시공조 - 수돗물 발표 Final.pptx
+++ b/Presentation/시공조 - 수돗물 발표 Final.pptx
@@ -32,38 +32,38 @@
   <p:notesSz cx="6858000" cy="9144000"/>
   <p:embeddedFontLst>
     <p:embeddedFont>
-      <p:font typeface="Roboto Lt" pitchFamily="2" charset="0"/>
+      <p:font typeface="Roboto Condensed Light" panose="02000000000000000000" pitchFamily="2" charset="0"/>
       <p:regular r:id="rId20"/>
-      <p:italic r:id="rId21"/>
+    </p:embeddedFont>
+    <p:embeddedFont>
+      <p:font typeface="KoPub돋움체 Medium" panose="00000600000000000000" pitchFamily="2" charset="-127"/>
+      <p:regular r:id="rId21"/>
+    </p:embeddedFont>
+    <p:embeddedFont>
+      <p:font typeface="KoPub돋움체 Light" panose="00000300000000000000" pitchFamily="2" charset="-127"/>
+      <p:regular r:id="rId22"/>
+    </p:embeddedFont>
+    <p:embeddedFont>
+      <p:font typeface="Roboto Th" pitchFamily="2" charset="0"/>
+      <p:regular r:id="rId23"/>
+      <p:italic r:id="rId24"/>
+    </p:embeddedFont>
+    <p:embeddedFont>
+      <p:font typeface="맑은 고딕" panose="020B0503020000020004" pitchFamily="50" charset="-127"/>
+      <p:regular r:id="rId25"/>
+      <p:bold r:id="rId26"/>
     </p:embeddedFont>
     <p:embeddedFont>
       <p:font typeface="나눔바른고딕" panose="020B0603020101020101" pitchFamily="50" charset="-127"/>
-      <p:regular r:id="rId22"/>
-      <p:bold r:id="rId23"/>
-    </p:embeddedFont>
-    <p:embeddedFont>
-      <p:font typeface="나눔스퀘어" panose="020B0600000101010101" pitchFamily="50" charset="-127"/>
-      <p:regular r:id="rId24"/>
-    </p:embeddedFont>
-    <p:embeddedFont>
-      <p:font typeface="KoPub돋움체 Light" panose="00000300000000000000" pitchFamily="2" charset="-127"/>
-      <p:regular r:id="rId25"/>
-    </p:embeddedFont>
-    <p:embeddedFont>
-      <p:font typeface="Roboto Condensed Light" panose="02000000000000000000" pitchFamily="2" charset="0"/>
-      <p:regular r:id="rId26"/>
-    </p:embeddedFont>
-    <p:embeddedFont>
-      <p:font typeface="맑은 고딕" panose="020B0503020000020004" pitchFamily="50" charset="-127"/>
       <p:regular r:id="rId27"/>
       <p:bold r:id="rId28"/>
     </p:embeddedFont>
     <p:embeddedFont>
-      <p:font typeface="KoPub돋움체 Medium" panose="00000600000000000000" pitchFamily="2" charset="-127"/>
+      <p:font typeface="나눔스퀘어" panose="020B0600000101010101" pitchFamily="50" charset="-127"/>
       <p:regular r:id="rId29"/>
     </p:embeddedFont>
     <p:embeddedFont>
-      <p:font typeface="Roboto Th" pitchFamily="2" charset="0"/>
+      <p:font typeface="Roboto Lt" pitchFamily="2" charset="0"/>
       <p:regular r:id="rId30"/>
       <p:italic r:id="rId31"/>
     </p:embeddedFont>
@@ -7008,11 +7008,25 @@
               <a:buNone/>
             </a:pPr>
             <a:r>
-              <a:rPr lang="en-US" altLang="ko-KR" sz="2000" u="sng" dirty="0" smtClean="0">
+              <a:rPr lang="en-US" altLang="ko-KR" sz="2000" u="sng" smtClean="0">
                 <a:latin typeface="Roboto Th" pitchFamily="2" charset="0"/>
                 <a:ea typeface="Roboto Th" pitchFamily="2" charset="0"/>
               </a:rPr>
-              <a:t>https://taps.nenw.moe</a:t>
+              <a:t>https</a:t>
+            </a:r>
+            <a:r>
+              <a:rPr lang="en-US" altLang="ko-KR" sz="2000" u="sng" smtClean="0">
+                <a:latin typeface="Roboto Th" pitchFamily="2" charset="0"/>
+                <a:ea typeface="Roboto Th" pitchFamily="2" charset="0"/>
+              </a:rPr>
+              <a:t>://</a:t>
+            </a:r>
+            <a:r>
+              <a:rPr lang="en-US" altLang="ko-KR" sz="2000" u="sng" smtClean="0">
+                <a:latin typeface="Roboto Th" pitchFamily="2" charset="0"/>
+                <a:ea typeface="Roboto Th" pitchFamily="2" charset="0"/>
+              </a:rPr>
+              <a:t>sudo.onebone.me</a:t>
             </a:r>
             <a:endParaRPr lang="ko-KR" altLang="en-US" sz="2000" u="sng" dirty="0">
               <a:latin typeface="Roboto Th" pitchFamily="2" charset="0"/>

--- a/Presentation/시공조 - 수돗물 발표 Final.pptx
+++ b/Presentation/시공조 - 수돗물 발표 Final.pptx
@@ -5,10 +5,10 @@
     <p:sldMasterId id="2147483648" r:id="rId1"/>
   </p:sldMasterIdLst>
   <p:notesMasterIdLst>
-    <p:notesMasterId r:id="rId18"/>
+    <p:notesMasterId r:id="rId19"/>
   </p:notesMasterIdLst>
   <p:handoutMasterIdLst>
-    <p:handoutMasterId r:id="rId19"/>
+    <p:handoutMasterId r:id="rId20"/>
   </p:handoutMasterIdLst>
   <p:sldIdLst>
     <p:sldId id="256" r:id="rId2"/>
@@ -27,45 +27,46 @@
     <p:sldId id="274" r:id="rId15"/>
     <p:sldId id="271" r:id="rId16"/>
     <p:sldId id="272" r:id="rId17"/>
+    <p:sldId id="276" r:id="rId18"/>
   </p:sldIdLst>
   <p:sldSz cx="9144000" cy="6858000" type="screen4x3"/>
   <p:notesSz cx="6858000" cy="9144000"/>
   <p:embeddedFontLst>
     <p:embeddedFont>
       <p:font typeface="Roboto Condensed Light" panose="02000000000000000000" pitchFamily="2" charset="0"/>
-      <p:regular r:id="rId20"/>
+      <p:regular r:id="rId21"/>
     </p:embeddedFont>
     <p:embeddedFont>
       <p:font typeface="KoPub돋움체 Medium" panose="00000600000000000000" pitchFamily="2" charset="-127"/>
-      <p:regular r:id="rId21"/>
+      <p:regular r:id="rId22"/>
+    </p:embeddedFont>
+    <p:embeddedFont>
+      <p:font typeface="나눔바른고딕" panose="020B0603020101020101" pitchFamily="50" charset="-127"/>
+      <p:regular r:id="rId23"/>
+      <p:bold r:id="rId24"/>
+    </p:embeddedFont>
+    <p:embeddedFont>
+      <p:font typeface="나눔스퀘어" panose="020B0600000101010101" pitchFamily="50" charset="-127"/>
+      <p:regular r:id="rId25"/>
+    </p:embeddedFont>
+    <p:embeddedFont>
+      <p:font typeface="Roboto Lt" pitchFamily="2" charset="0"/>
+      <p:regular r:id="rId26"/>
+      <p:italic r:id="rId27"/>
+    </p:embeddedFont>
+    <p:embeddedFont>
+      <p:font typeface="Roboto Th" pitchFamily="2" charset="0"/>
+      <p:regular r:id="rId28"/>
+      <p:italic r:id="rId29"/>
+    </p:embeddedFont>
+    <p:embeddedFont>
+      <p:font typeface="맑은 고딕" panose="020B0503020000020004" pitchFamily="50" charset="-127"/>
+      <p:regular r:id="rId30"/>
+      <p:bold r:id="rId31"/>
     </p:embeddedFont>
     <p:embeddedFont>
       <p:font typeface="KoPub돋움체 Light" panose="00000300000000000000" pitchFamily="2" charset="-127"/>
-      <p:regular r:id="rId22"/>
-    </p:embeddedFont>
-    <p:embeddedFont>
-      <p:font typeface="Roboto Th" pitchFamily="2" charset="0"/>
-      <p:regular r:id="rId23"/>
-      <p:italic r:id="rId24"/>
-    </p:embeddedFont>
-    <p:embeddedFont>
-      <p:font typeface="맑은 고딕" panose="020B0503020000020004" pitchFamily="50" charset="-127"/>
-      <p:regular r:id="rId25"/>
-      <p:bold r:id="rId26"/>
-    </p:embeddedFont>
-    <p:embeddedFont>
-      <p:font typeface="나눔바른고딕" panose="020B0603020101020101" pitchFamily="50" charset="-127"/>
-      <p:regular r:id="rId27"/>
-      <p:bold r:id="rId28"/>
-    </p:embeddedFont>
-    <p:embeddedFont>
-      <p:font typeface="나눔스퀘어" panose="020B0600000101010101" pitchFamily="50" charset="-127"/>
-      <p:regular r:id="rId29"/>
-    </p:embeddedFont>
-    <p:embeddedFont>
-      <p:font typeface="Roboto Lt" pitchFamily="2" charset="0"/>
-      <p:regular r:id="rId30"/>
-      <p:italic r:id="rId31"/>
+      <p:regular r:id="rId32"/>
     </p:embeddedFont>
   </p:embeddedFontLst>
   <p:defaultTextStyle>
@@ -1839,6 +1840,13 @@
   <p:clrMapOvr>
     <a:masterClrMapping/>
   </p:clrMapOvr>
+  <p:timing>
+    <p:tnLst>
+      <p:par>
+        <p:cTn id="1" dur="indefinite" restart="never" nodeType="tmRoot"/>
+      </p:par>
+    </p:tnLst>
+  </p:timing>
 </p:sldLayout>
 </file>
 
@@ -2019,6 +2027,13 @@
   <p:clrMapOvr>
     <a:masterClrMapping/>
   </p:clrMapOvr>
+  <p:timing>
+    <p:tnLst>
+      <p:par>
+        <p:cTn id="1" dur="indefinite" restart="never" nodeType="tmRoot"/>
+      </p:par>
+    </p:tnLst>
+  </p:timing>
 </p:sldLayout>
 </file>
 
@@ -2244,7 +2259,7 @@
         </p:blipFill>
         <p:spPr bwMode="auto">
           <a:xfrm>
-            <a:off x="2195736" y="656449"/>
+            <a:off x="2195736" y="666812"/>
             <a:ext cx="4686092" cy="1680536"/>
           </a:xfrm>
           <a:prstGeom prst="rect">
@@ -2457,7 +2472,7 @@
 </file>
 
 <file path=ppt/slideLayouts/slideLayout3.xml><?xml version="1.0" encoding="utf-8"?>
-<p:sldLayout xmlns:a="http://schemas.openxmlformats.org/drawingml/2006/main" xmlns:r="http://schemas.openxmlformats.org/officeDocument/2006/relationships" xmlns:p="http://schemas.openxmlformats.org/presentationml/2006/main" type="secHead" preserve="1">
+<p:sldLayout xmlns:a="http://schemas.openxmlformats.org/drawingml/2006/main" xmlns:r="http://schemas.openxmlformats.org/officeDocument/2006/relationships" xmlns:p="http://schemas.openxmlformats.org/presentationml/2006/main" preserve="1" userDrawn="1">
   <p:cSld name="구역 머리글">
     <p:spTree>
       <p:nvGrpSpPr>
@@ -2485,7 +2500,7 @@
         </p:nvSpPr>
         <p:spPr>
           <a:xfrm>
-            <a:off x="722313" y="4406901"/>
+            <a:off x="685800" y="2636912"/>
             <a:ext cx="7772400" cy="1362075"/>
           </a:xfrm>
         </p:spPr>
@@ -2507,125 +2522,6 @@
       </p:sp>
       <p:sp>
         <p:nvSpPr>
-          <p:cNvPr id="3" name="텍스트 개체 틀 2"/>
-          <p:cNvSpPr>
-            <a:spLocks noGrp="1"/>
-          </p:cNvSpPr>
-          <p:nvPr>
-            <p:ph type="body" idx="1"/>
-          </p:nvPr>
-        </p:nvSpPr>
-        <p:spPr>
-          <a:xfrm>
-            <a:off x="722313" y="2906713"/>
-            <a:ext cx="7772400" cy="1500187"/>
-          </a:xfrm>
-        </p:spPr>
-        <p:txBody>
-          <a:bodyPr anchor="b"/>
-          <a:lstStyle>
-            <a:lvl1pPr marL="0" indent="0">
-              <a:buNone/>
-              <a:defRPr sz="2000">
-                <a:solidFill>
-                  <a:schemeClr val="tx1">
-                    <a:tint val="75000"/>
-                  </a:schemeClr>
-                </a:solidFill>
-              </a:defRPr>
-            </a:lvl1pPr>
-            <a:lvl2pPr marL="457200" indent="0">
-              <a:buNone/>
-              <a:defRPr sz="1800">
-                <a:solidFill>
-                  <a:schemeClr val="tx1">
-                    <a:tint val="75000"/>
-                  </a:schemeClr>
-                </a:solidFill>
-              </a:defRPr>
-            </a:lvl2pPr>
-            <a:lvl3pPr marL="914400" indent="0">
-              <a:buNone/>
-              <a:defRPr sz="1600">
-                <a:solidFill>
-                  <a:schemeClr val="tx1">
-                    <a:tint val="75000"/>
-                  </a:schemeClr>
-                </a:solidFill>
-              </a:defRPr>
-            </a:lvl3pPr>
-            <a:lvl4pPr marL="1371600" indent="0">
-              <a:buNone/>
-              <a:defRPr sz="1400">
-                <a:solidFill>
-                  <a:schemeClr val="tx1">
-                    <a:tint val="75000"/>
-                  </a:schemeClr>
-                </a:solidFill>
-              </a:defRPr>
-            </a:lvl4pPr>
-            <a:lvl5pPr marL="1828800" indent="0">
-              <a:buNone/>
-              <a:defRPr sz="1400">
-                <a:solidFill>
-                  <a:schemeClr val="tx1">
-                    <a:tint val="75000"/>
-                  </a:schemeClr>
-                </a:solidFill>
-              </a:defRPr>
-            </a:lvl5pPr>
-            <a:lvl6pPr marL="2286000" indent="0">
-              <a:buNone/>
-              <a:defRPr sz="1400">
-                <a:solidFill>
-                  <a:schemeClr val="tx1">
-                    <a:tint val="75000"/>
-                  </a:schemeClr>
-                </a:solidFill>
-              </a:defRPr>
-            </a:lvl6pPr>
-            <a:lvl7pPr marL="2743200" indent="0">
-              <a:buNone/>
-              <a:defRPr sz="1400">
-                <a:solidFill>
-                  <a:schemeClr val="tx1">
-                    <a:tint val="75000"/>
-                  </a:schemeClr>
-                </a:solidFill>
-              </a:defRPr>
-            </a:lvl7pPr>
-            <a:lvl8pPr marL="3200400" indent="0">
-              <a:buNone/>
-              <a:defRPr sz="1400">
-                <a:solidFill>
-                  <a:schemeClr val="tx1">
-                    <a:tint val="75000"/>
-                  </a:schemeClr>
-                </a:solidFill>
-              </a:defRPr>
-            </a:lvl8pPr>
-            <a:lvl9pPr marL="3657600" indent="0">
-              <a:buNone/>
-              <a:defRPr sz="1400">
-                <a:solidFill>
-                  <a:schemeClr val="tx1">
-                    <a:tint val="75000"/>
-                  </a:schemeClr>
-                </a:solidFill>
-              </a:defRPr>
-            </a:lvl9pPr>
-          </a:lstStyle>
-          <a:p>
-            <a:pPr lvl="0"/>
-            <a:r>
-              <a:rPr lang="ko-KR" altLang="en-US" smtClean="0"/>
-              <a:t>마스터 텍스트 스타일을 편집합니다</a:t>
-            </a:r>
-          </a:p>
-        </p:txBody>
-      </p:sp>
-      <p:sp>
-        <p:nvSpPr>
           <p:cNvPr id="4" name="날짜 개체 틀 3"/>
           <p:cNvSpPr>
             <a:spLocks noGrp="1"/>
@@ -2689,6 +2585,236 @@
           </a:p>
         </p:txBody>
       </p:sp>
+      <p:sp>
+        <p:nvSpPr>
+          <p:cNvPr id="7" name="직사각형 6"/>
+          <p:cNvSpPr/>
+          <p:nvPr userDrawn="1"/>
+        </p:nvSpPr>
+        <p:spPr>
+          <a:xfrm>
+            <a:off x="179512" y="260648"/>
+            <a:ext cx="144016" cy="6336704"/>
+          </a:xfrm>
+          <a:prstGeom prst="rect">
+            <a:avLst/>
+          </a:prstGeom>
+          <a:solidFill>
+            <a:schemeClr val="bg1"/>
+          </a:solidFill>
+          <a:ln>
+            <a:solidFill>
+              <a:schemeClr val="bg1"/>
+            </a:solidFill>
+          </a:ln>
+        </p:spPr>
+        <p:style>
+          <a:lnRef idx="2">
+            <a:schemeClr val="accent1">
+              <a:shade val="50000"/>
+            </a:schemeClr>
+          </a:lnRef>
+          <a:fillRef idx="1">
+            <a:schemeClr val="accent1"/>
+          </a:fillRef>
+          <a:effectRef idx="0">
+            <a:schemeClr val="accent1"/>
+          </a:effectRef>
+          <a:fontRef idx="minor">
+            <a:schemeClr val="lt1"/>
+          </a:fontRef>
+        </p:style>
+        <p:txBody>
+          <a:bodyPr rtlCol="0" anchor="ctr"/>
+          <a:lstStyle/>
+          <a:p>
+            <a:pPr algn="ctr"/>
+            <a:endParaRPr lang="ko-KR" altLang="en-US"/>
+          </a:p>
+        </p:txBody>
+      </p:sp>
+      <p:sp>
+        <p:nvSpPr>
+          <p:cNvPr id="8" name="직사각형 7"/>
+          <p:cNvSpPr/>
+          <p:nvPr userDrawn="1"/>
+        </p:nvSpPr>
+        <p:spPr>
+          <a:xfrm>
+            <a:off x="8820472" y="260648"/>
+            <a:ext cx="144016" cy="6336704"/>
+          </a:xfrm>
+          <a:prstGeom prst="rect">
+            <a:avLst/>
+          </a:prstGeom>
+          <a:solidFill>
+            <a:schemeClr val="bg1"/>
+          </a:solidFill>
+          <a:ln>
+            <a:solidFill>
+              <a:schemeClr val="bg1"/>
+            </a:solidFill>
+          </a:ln>
+        </p:spPr>
+        <p:style>
+          <a:lnRef idx="2">
+            <a:schemeClr val="accent1">
+              <a:shade val="50000"/>
+            </a:schemeClr>
+          </a:lnRef>
+          <a:fillRef idx="1">
+            <a:schemeClr val="accent1"/>
+          </a:fillRef>
+          <a:effectRef idx="0">
+            <a:schemeClr val="accent1"/>
+          </a:effectRef>
+          <a:fontRef idx="minor">
+            <a:schemeClr val="lt1"/>
+          </a:fontRef>
+        </p:style>
+        <p:txBody>
+          <a:bodyPr rtlCol="0" anchor="ctr"/>
+          <a:lstStyle/>
+          <a:p>
+            <a:pPr algn="ctr"/>
+            <a:endParaRPr lang="ko-KR" altLang="en-US"/>
+          </a:p>
+        </p:txBody>
+      </p:sp>
+      <p:grpSp>
+        <p:nvGrpSpPr>
+          <p:cNvPr id="11" name="그룹 10"/>
+          <p:cNvGrpSpPr/>
+          <p:nvPr userDrawn="1"/>
+        </p:nvGrpSpPr>
+        <p:grpSpPr>
+          <a:xfrm>
+            <a:off x="3347864" y="4365104"/>
+            <a:ext cx="2387115" cy="1368152"/>
+            <a:chOff x="524237" y="452669"/>
+            <a:chExt cx="2391579" cy="1320147"/>
+          </a:xfrm>
+        </p:grpSpPr>
+        <p:pic>
+          <p:nvPicPr>
+            <p:cNvPr id="12" name="Picture 2" descr="D:\Coding\sw-hackathon\RealLogo.png"/>
+            <p:cNvPicPr>
+              <a:picLocks noChangeAspect="1" noChangeArrowheads="1"/>
+            </p:cNvPicPr>
+            <p:nvPr/>
+          </p:nvPicPr>
+          <p:blipFill rotWithShape="1">
+            <a:blip r:embed="rId2" cstate="print">
+              <a:extLst>
+                <a:ext uri="{28A0092B-C50C-407E-A947-70E740481C1C}">
+                  <a14:useLocalDpi xmlns:a14="http://schemas.microsoft.com/office/drawing/2010/main" val="0"/>
+                </a:ext>
+              </a:extLst>
+            </a:blip>
+            <a:srcRect r="68338"/>
+            <a:stretch/>
+          </p:blipFill>
+          <p:spPr bwMode="auto">
+            <a:xfrm>
+              <a:off x="524237" y="596683"/>
+              <a:ext cx="714691" cy="1032115"/>
+            </a:xfrm>
+            <a:prstGeom prst="rect">
+              <a:avLst/>
+            </a:prstGeom>
+            <a:noFill/>
+            <a:extLst>
+              <a:ext uri="{909E8E84-426E-40DD-AFC4-6F175D3DCCD1}">
+                <a14:hiddenFill xmlns:a14="http://schemas.microsoft.com/office/drawing/2010/main">
+                  <a:solidFill>
+                    <a:srgbClr val="FFFFFF"/>
+                  </a:solidFill>
+                </a14:hiddenFill>
+              </a:ext>
+            </a:extLst>
+          </p:spPr>
+        </p:pic>
+        <p:pic>
+          <p:nvPicPr>
+            <p:cNvPr id="13" name="Picture 2" descr="D:\Coding\sw-hackathon\RealLogo.png"/>
+            <p:cNvPicPr>
+              <a:picLocks noChangeAspect="1" noChangeArrowheads="1"/>
+            </p:cNvPicPr>
+            <p:nvPr/>
+          </p:nvPicPr>
+          <p:blipFill rotWithShape="1">
+            <a:blip r:embed="rId2" cstate="print">
+              <a:extLst>
+                <a:ext uri="{28A0092B-C50C-407E-A947-70E740481C1C}">
+                  <a14:useLocalDpi xmlns:a14="http://schemas.microsoft.com/office/drawing/2010/main" val="0"/>
+                </a:ext>
+              </a:extLst>
+            </a:blip>
+            <a:srcRect l="29967"/>
+            <a:stretch/>
+          </p:blipFill>
+          <p:spPr bwMode="auto">
+            <a:xfrm>
+              <a:off x="1299864" y="452669"/>
+              <a:ext cx="1615952" cy="1320147"/>
+            </a:xfrm>
+            <a:prstGeom prst="rect">
+              <a:avLst/>
+            </a:prstGeom>
+            <a:noFill/>
+            <a:extLst>
+              <a:ext uri="{909E8E84-426E-40DD-AFC4-6F175D3DCCD1}">
+                <a14:hiddenFill xmlns:a14="http://schemas.microsoft.com/office/drawing/2010/main">
+                  <a:solidFill>
+                    <a:srgbClr val="FFFFFF"/>
+                  </a:solidFill>
+                </a14:hiddenFill>
+              </a:ext>
+            </a:extLst>
+          </p:spPr>
+        </p:pic>
+      </p:grpSp>
+      <p:pic>
+        <p:nvPicPr>
+          <p:cNvPr id="14" name="Picture 2" descr="D:\Coding\sw-hackathon\대지 1.png"/>
+          <p:cNvPicPr>
+            <a:picLocks noChangeAspect="1" noChangeArrowheads="1"/>
+          </p:cNvPicPr>
+          <p:nvPr userDrawn="1"/>
+        </p:nvPicPr>
+        <p:blipFill>
+          <a:blip r:embed="rId3">
+            <a:extLst>
+              <a:ext uri="{28A0092B-C50C-407E-A947-70E740481C1C}">
+                <a14:useLocalDpi xmlns:a14="http://schemas.microsoft.com/office/drawing/2010/main" val="0"/>
+              </a:ext>
+            </a:extLst>
+          </a:blip>
+          <a:srcRect/>
+          <a:stretch>
+            <a:fillRect/>
+          </a:stretch>
+        </p:blipFill>
+        <p:spPr bwMode="auto">
+          <a:xfrm>
+            <a:off x="2339752" y="2924944"/>
+            <a:ext cx="4686092" cy="1680536"/>
+          </a:xfrm>
+          <a:prstGeom prst="rect">
+            <a:avLst/>
+          </a:prstGeom>
+          <a:noFill/>
+          <a:extLst>
+            <a:ext uri="{909E8E84-426E-40DD-AFC4-6F175D3DCCD1}">
+              <a14:hiddenFill xmlns:a14="http://schemas.microsoft.com/office/drawing/2010/main">
+                <a:solidFill>
+                  <a:srgbClr val="FFFFFF"/>
+                </a:solidFill>
+              </a14:hiddenFill>
+            </a:ext>
+          </a:extLst>
+        </p:spPr>
+      </p:pic>
     </p:spTree>
     <p:extLst>
       <p:ext uri="{BB962C8B-B14F-4D97-AF65-F5344CB8AC3E}">
@@ -2994,6 +3120,13 @@
   <p:clrMapOvr>
     <a:masterClrMapping/>
   </p:clrMapOvr>
+  <p:timing>
+    <p:tnLst>
+      <p:par>
+        <p:cTn id="1" dur="indefinite" restart="never" nodeType="tmRoot"/>
+      </p:par>
+    </p:tnLst>
+  </p:timing>
 </p:sldLayout>
 </file>
 
@@ -3541,6 +3674,13 @@
   <p:clrMapOvr>
     <a:masterClrMapping/>
   </p:clrMapOvr>
+  <p:timing>
+    <p:tnLst>
+      <p:par>
+        <p:cTn id="1" dur="indefinite" restart="never" nodeType="tmRoot"/>
+      </p:par>
+    </p:tnLst>
+  </p:timing>
 </p:sldLayout>
 </file>
 
@@ -3636,6 +3776,13 @@
   <p:clrMapOvr>
     <a:masterClrMapping/>
   </p:clrMapOvr>
+  <p:timing>
+    <p:tnLst>
+      <p:par>
+        <p:cTn id="1" dur="indefinite" restart="never" nodeType="tmRoot"/>
+      </p:par>
+    </p:tnLst>
+  </p:timing>
 </p:sldLayout>
 </file>
 
@@ -3913,6 +4060,13 @@
   <p:clrMapOvr>
     <a:masterClrMapping/>
   </p:clrMapOvr>
+  <p:timing>
+    <p:tnLst>
+      <p:par>
+        <p:cTn id="1" dur="indefinite" restart="never" nodeType="tmRoot"/>
+      </p:par>
+    </p:tnLst>
+  </p:timing>
 </p:sldLayout>
 </file>
 
@@ -6104,6 +6258,72 @@
 </p:sld>
 </file>
 
+<file path=ppt/slides/slide17.xml><?xml version="1.0" encoding="utf-8"?>
+<p:sld xmlns:a="http://schemas.openxmlformats.org/drawingml/2006/main" xmlns:r="http://schemas.openxmlformats.org/officeDocument/2006/relationships" xmlns:p="http://schemas.openxmlformats.org/presentationml/2006/main">
+  <p:cSld>
+    <p:spTree>
+      <p:nvGrpSpPr>
+        <p:cNvPr id="1" name=""/>
+        <p:cNvGrpSpPr/>
+        <p:nvPr/>
+      </p:nvGrpSpPr>
+      <p:grpSpPr>
+        <a:xfrm>
+          <a:off x="0" y="0"/>
+          <a:ext cx="0" cy="0"/>
+          <a:chOff x="0" y="0"/>
+          <a:chExt cx="0" cy="0"/>
+        </a:xfrm>
+      </p:grpSpPr>
+      <p:sp>
+        <p:nvSpPr>
+          <p:cNvPr id="2" name="제목 1"/>
+          <p:cNvSpPr>
+            <a:spLocks noGrp="1"/>
+          </p:cNvSpPr>
+          <p:nvPr>
+            <p:ph type="title"/>
+          </p:nvPr>
+        </p:nvSpPr>
+        <p:spPr>
+          <a:xfrm>
+            <a:off x="685800" y="2747963"/>
+            <a:ext cx="7772400" cy="1362075"/>
+          </a:xfrm>
+        </p:spPr>
+        <p:txBody>
+          <a:bodyPr/>
+          <a:lstStyle/>
+          <a:p>
+            <a:pPr algn="ctr"/>
+            <a:r>
+              <a:rPr lang="ko-KR" altLang="en-US" dirty="0" smtClean="0"/>
+              <a:t>감사합니다</a:t>
+            </a:r>
+            <a:endParaRPr lang="ko-KR" altLang="en-US" dirty="0"/>
+          </a:p>
+        </p:txBody>
+      </p:sp>
+    </p:spTree>
+    <p:extLst>
+      <p:ext uri="{BB962C8B-B14F-4D97-AF65-F5344CB8AC3E}">
+        <p14:creationId xmlns:p14="http://schemas.microsoft.com/office/powerpoint/2010/main" val="306781767"/>
+      </p:ext>
+    </p:extLst>
+  </p:cSld>
+  <p:clrMapOvr>
+    <a:masterClrMapping/>
+  </p:clrMapOvr>
+  <p:timing>
+    <p:tnLst>
+      <p:par>
+        <p:cTn id="1" dur="indefinite" restart="never" nodeType="tmRoot"/>
+      </p:par>
+    </p:tnLst>
+  </p:timing>
+</p:sld>
+</file>
+
 <file path=ppt/slides/slide2.xml><?xml version="1.0" encoding="utf-8"?>
 <p:sld xmlns:a="http://schemas.openxmlformats.org/drawingml/2006/main" xmlns:r="http://schemas.openxmlformats.org/officeDocument/2006/relationships" xmlns:p="http://schemas.openxmlformats.org/presentationml/2006/main">
   <p:cSld>
@@ -7012,21 +7232,7 @@
                 <a:latin typeface="Roboto Th" pitchFamily="2" charset="0"/>
                 <a:ea typeface="Roboto Th" pitchFamily="2" charset="0"/>
               </a:rPr>
-              <a:t>https</a:t>
-            </a:r>
-            <a:r>
-              <a:rPr lang="en-US" altLang="ko-KR" sz="2000" u="sng" smtClean="0">
-                <a:latin typeface="Roboto Th" pitchFamily="2" charset="0"/>
-                <a:ea typeface="Roboto Th" pitchFamily="2" charset="0"/>
-              </a:rPr>
-              <a:t>://</a:t>
-            </a:r>
-            <a:r>
-              <a:rPr lang="en-US" altLang="ko-KR" sz="2000" u="sng" smtClean="0">
-                <a:latin typeface="Roboto Th" pitchFamily="2" charset="0"/>
-                <a:ea typeface="Roboto Th" pitchFamily="2" charset="0"/>
-              </a:rPr>
-              <a:t>sudo.onebone.me</a:t>
+              <a:t>https://sudo.onebone.me</a:t>
             </a:r>
             <a:endParaRPr lang="ko-KR" altLang="en-US" sz="2000" u="sng" dirty="0">
               <a:latin typeface="Roboto Th" pitchFamily="2" charset="0"/>
